--- a/slides/S3_practice_0417.pptx
+++ b/slides/S3_practice_0417.pptx
@@ -267,7 +267,7 @@
               <a:pPr>
                 <a:defRPr/>
               </a:pPr>
-              <a:t>2015/4/16</a:t>
+              <a:t>16/3/25</a:t>
             </a:fld>
             <a:endParaRPr lang="zh-CN" altLang="en-US"/>
           </a:p>
@@ -790,14 +790,14 @@
           </a:ln>
           <a:extLst>
             <a:ext uri="{909E8E84-426E-40dd-AFC4-6F175D3DCCD1}">
-              <a14:hiddenFill xmlns:a14="http://schemas.microsoft.com/office/drawing/2010/main" xmlns="">
+              <a14:hiddenFill xmlns="" xmlns:a14="http://schemas.microsoft.com/office/drawing/2010/main">
                 <a:solidFill>
                   <a:srgbClr val="FFFFFF"/>
                 </a:solidFill>
               </a14:hiddenFill>
             </a:ext>
             <a:ext uri="{91240B29-F687-4f45-9708-019B960494DF}">
-              <a14:hiddenLine xmlns:a14="http://schemas.microsoft.com/office/drawing/2010/main" xmlns="" w="9525">
+              <a14:hiddenLine xmlns="" xmlns:a14="http://schemas.microsoft.com/office/drawing/2010/main" w="9525">
                 <a:solidFill>
                   <a:srgbClr val="000000"/>
                 </a:solidFill>
@@ -896,14 +896,14 @@
           </a:ln>
           <a:extLst>
             <a:ext uri="{909E8E84-426E-40dd-AFC4-6F175D3DCCD1}">
-              <a14:hiddenFill xmlns:a14="http://schemas.microsoft.com/office/drawing/2010/main" xmlns="">
+              <a14:hiddenFill xmlns="" xmlns:a14="http://schemas.microsoft.com/office/drawing/2010/main">
                 <a:solidFill>
                   <a:srgbClr val="FFFFFF"/>
                 </a:solidFill>
               </a14:hiddenFill>
             </a:ext>
             <a:ext uri="{91240B29-F687-4f45-9708-019B960494DF}">
-              <a14:hiddenLine xmlns:a14="http://schemas.microsoft.com/office/drawing/2010/main" xmlns="" w="9525">
+              <a14:hiddenLine xmlns="" xmlns:a14="http://schemas.microsoft.com/office/drawing/2010/main" w="9525">
                 <a:solidFill>
                   <a:srgbClr val="000000"/>
                 </a:solidFill>
@@ -1104,7 +1104,7 @@
               <a:pPr>
                 <a:defRPr/>
               </a:pPr>
-              <a:t>4/16/2015</a:t>
+              <a:t>3/25/16</a:t>
             </a:fld>
             <a:endParaRPr lang="en-US" altLang="zh-CN"/>
           </a:p>
@@ -1319,7 +1319,7 @@
               <a:pPr>
                 <a:defRPr/>
               </a:pPr>
-              <a:t>4/16/2015</a:t>
+              <a:t>3/25/16</a:t>
             </a:fld>
             <a:endParaRPr lang="en-US" altLang="zh-CN"/>
           </a:p>
@@ -1526,7 +1526,7 @@
               <a:pPr>
                 <a:defRPr/>
               </a:pPr>
-              <a:t>4/16/2015</a:t>
+              <a:t>3/25/16</a:t>
             </a:fld>
             <a:endParaRPr lang="en-US" altLang="zh-CN"/>
           </a:p>
@@ -1764,14 +1764,14 @@
           </a:ln>
           <a:extLst>
             <a:ext uri="{909E8E84-426E-40dd-AFC4-6F175D3DCCD1}">
-              <a14:hiddenFill xmlns:a14="http://schemas.microsoft.com/office/drawing/2010/main" xmlns="">
+              <a14:hiddenFill xmlns="" xmlns:a14="http://schemas.microsoft.com/office/drawing/2010/main">
                 <a:solidFill>
                   <a:srgbClr val="FFFFFF"/>
                 </a:solidFill>
               </a14:hiddenFill>
             </a:ext>
             <a:ext uri="{91240B29-F687-4f45-9708-019B960494DF}">
-              <a14:hiddenLine xmlns:a14="http://schemas.microsoft.com/office/drawing/2010/main" xmlns="" w="9525">
+              <a14:hiddenLine xmlns="" xmlns:a14="http://schemas.microsoft.com/office/drawing/2010/main" w="9525">
                 <a:solidFill>
                   <a:srgbClr val="000000"/>
                 </a:solidFill>
@@ -1986,7 +1986,7 @@
               <a:pPr>
                 <a:defRPr/>
               </a:pPr>
-              <a:t>4/16/2015</a:t>
+              <a:t>3/25/16</a:t>
             </a:fld>
             <a:endParaRPr lang="en-US" altLang="zh-CN"/>
           </a:p>
@@ -2259,7 +2259,7 @@
               <a:pPr>
                 <a:defRPr/>
               </a:pPr>
-              <a:t>4/16/2015</a:t>
+              <a:t>3/25/16</a:t>
             </a:fld>
             <a:endParaRPr lang="en-US" altLang="zh-CN"/>
           </a:p>
@@ -2574,7 +2574,7 @@
               <a:pPr>
                 <a:defRPr/>
               </a:pPr>
-              <a:t>4/16/2015</a:t>
+              <a:t>3/25/16</a:t>
             </a:fld>
             <a:endParaRPr lang="en-US" altLang="zh-CN"/>
           </a:p>
@@ -3023,7 +3023,7 @@
               <a:pPr>
                 <a:defRPr/>
               </a:pPr>
-              <a:t>4/16/2015</a:t>
+              <a:t>3/25/16</a:t>
             </a:fld>
             <a:endParaRPr lang="en-US" altLang="zh-CN"/>
           </a:p>
@@ -3168,7 +3168,7 @@
               <a:pPr>
                 <a:defRPr/>
               </a:pPr>
-              <a:t>4/16/2015</a:t>
+              <a:t>3/25/16</a:t>
             </a:fld>
             <a:endParaRPr lang="en-US" altLang="zh-CN"/>
           </a:p>
@@ -3290,7 +3290,7 @@
               <a:pPr>
                 <a:defRPr/>
               </a:pPr>
-              <a:t>4/16/2015</a:t>
+              <a:t>3/25/16</a:t>
             </a:fld>
             <a:endParaRPr lang="en-US" altLang="zh-CN"/>
           </a:p>
@@ -3594,7 +3594,7 @@
               <a:pPr>
                 <a:defRPr/>
               </a:pPr>
-              <a:t>4/16/2015</a:t>
+              <a:t>3/25/16</a:t>
             </a:fld>
             <a:endParaRPr lang="en-US" altLang="zh-CN"/>
           </a:p>
@@ -3877,7 +3877,7 @@
               <a:pPr>
                 <a:defRPr/>
               </a:pPr>
-              <a:t>4/16/2015</a:t>
+              <a:t>3/25/16</a:t>
             </a:fld>
             <a:endParaRPr lang="en-US" altLang="zh-CN"/>
           </a:p>
@@ -4001,14 +4001,14 @@
           </a:ln>
           <a:extLst>
             <a:ext uri="{909E8E84-426E-40dd-AFC4-6F175D3DCCD1}">
-              <a14:hiddenFill xmlns:a14="http://schemas.microsoft.com/office/drawing/2010/main" xmlns="">
+              <a14:hiddenFill xmlns="" xmlns:a14="http://schemas.microsoft.com/office/drawing/2010/main">
                 <a:solidFill>
                   <a:srgbClr val="FFFFFF"/>
                 </a:solidFill>
               </a14:hiddenFill>
             </a:ext>
             <a:ext uri="{91240B29-F687-4f45-9708-019B960494DF}">
-              <a14:hiddenLine xmlns:a14="http://schemas.microsoft.com/office/drawing/2010/main" xmlns="" w="9525">
+              <a14:hiddenLine xmlns="" xmlns:a14="http://schemas.microsoft.com/office/drawing/2010/main" w="9525">
                 <a:solidFill>
                   <a:srgbClr val="000000"/>
                 </a:solidFill>
@@ -4059,14 +4059,14 @@
           </a:ln>
           <a:extLst>
             <a:ext uri="{909E8E84-426E-40dd-AFC4-6F175D3DCCD1}">
-              <a14:hiddenFill xmlns:a14="http://schemas.microsoft.com/office/drawing/2010/main" xmlns="">
+              <a14:hiddenFill xmlns="" xmlns:a14="http://schemas.microsoft.com/office/drawing/2010/main">
                 <a:solidFill>
                   <a:srgbClr val="FFFFFF"/>
                 </a:solidFill>
               </a14:hiddenFill>
             </a:ext>
             <a:ext uri="{91240B29-F687-4f45-9708-019B960494DF}">
-              <a14:hiddenLine xmlns:a14="http://schemas.microsoft.com/office/drawing/2010/main" xmlns="" w="9525">
+              <a14:hiddenLine xmlns="" xmlns:a14="http://schemas.microsoft.com/office/drawing/2010/main" w="9525">
                 <a:solidFill>
                   <a:srgbClr val="000000"/>
                 </a:solidFill>
@@ -4165,7 +4165,7 @@
               <a:pPr>
                 <a:defRPr/>
               </a:pPr>
-              <a:t>4/16/2015</a:t>
+              <a:t>3/25/16</a:t>
             </a:fld>
             <a:endParaRPr lang="en-US" altLang="zh-CN"/>
           </a:p>
@@ -4749,14 +4749,18 @@
           </a:p>
           <a:p>
             <a:r>
+              <a:rPr lang="en-US" dirty="0" smtClean="0"/>
+              <a:t>Ning Li (ningli30@uw.edu)</a:t>
+            </a:r>
+          </a:p>
+          <a:p>
+            <a:r>
+              <a:rPr lang="en-US" dirty="0" smtClean="0"/>
+              <a:t>Dr</a:t>
+            </a:r>
+            <a:r>
               <a:rPr lang="en-US" dirty="0"/>
-              <a:t>Yan Jin (yanjin@uw.edu)</a:t>
-            </a:r>
-          </a:p>
-          <a:p>
-            <a:r>
-              <a:rPr lang="en-US" dirty="0"/>
-              <a:t>Dr. Shuai Huang (shuaih@uw.edu)</a:t>
+              <a:t>. Shuai Huang (shuaih@uw.edu)</a:t>
             </a:r>
           </a:p>
           <a:p>
@@ -4859,7 +4863,6 @@
               <a:rPr lang="en-US" altLang="zh-CN" sz="2400" dirty="0" smtClean="0"/>
               <a:t>How to compute the mode?</a:t>
             </a:r>
-            <a:endParaRPr lang="en-US" altLang="zh-CN" sz="2400" dirty="0" smtClean="0"/>
           </a:p>
         </p:txBody>
       </p:sp>
@@ -4992,7 +4995,6 @@
               <a:rPr lang="en-US" altLang="zh-CN" sz="2400" dirty="0" smtClean="0"/>
               <a:t>()</a:t>
             </a:r>
-            <a:endParaRPr lang="en-US" altLang="zh-CN" sz="2400" dirty="0" smtClean="0"/>
           </a:p>
         </p:txBody>
       </p:sp>
@@ -5143,11 +5145,7 @@
             </a:r>
             <a:r>
               <a:rPr lang="en-US" altLang="zh-CN" sz="2400" dirty="0" smtClean="0"/>
-              <a:t>) is equal to </a:t>
-            </a:r>
-            <a:r>
-              <a:rPr lang="en-US" altLang="zh-CN" sz="2400" dirty="0" smtClean="0"/>
-              <a:t>the mode of the cylinder.</a:t>
+              <a:t>) is equal to the mode of the cylinder.</a:t>
             </a:r>
           </a:p>
           <a:p>
@@ -5208,7 +5206,6 @@
               <a:rPr lang="en-US" altLang="zh-CN" sz="2000" dirty="0" smtClean="0"/>
               <a:t> in the subset.</a:t>
             </a:r>
-            <a:endParaRPr lang="en-US" altLang="zh-CN" sz="2000" dirty="0" smtClean="0"/>
           </a:p>
         </p:txBody>
       </p:sp>
@@ -6027,7 +6024,6 @@
               <a:rPr lang="en-US" altLang="zh-CN" sz="2400" dirty="0" smtClean="0"/>
               <a:t>Increase the number of ticks in x axis</a:t>
             </a:r>
-            <a:endParaRPr lang="en-US" altLang="zh-CN" sz="2400" dirty="0" smtClean="0"/>
           </a:p>
         </p:txBody>
       </p:sp>
@@ -6154,7 +6150,6 @@
               <a:rPr lang="en-US" altLang="zh-CN" sz="2400" dirty="0" smtClean="0"/>
               <a:t>Increase the number of ticks in x axis</a:t>
             </a:r>
-            <a:endParaRPr lang="en-US" altLang="zh-CN" sz="2400" dirty="0" smtClean="0"/>
           </a:p>
         </p:txBody>
       </p:sp>
@@ -6292,13 +6287,11 @@
           <a:p>
             <a:r>
               <a:rPr lang="en-US" sz="2400" dirty="0" smtClean="0"/>
-              <a:t>Minitab session</a:t>
-            </a:r>
-          </a:p>
-          <a:p>
+              <a:t>Homework </a:t>
+            </a:r>
             <a:r>
               <a:rPr lang="en-US" sz="2400" dirty="0" smtClean="0"/>
-              <a:t>Homework solution II</a:t>
+              <a:t>solution II</a:t>
             </a:r>
           </a:p>
           <a:p>
@@ -6554,7 +6547,7 @@
                       <m:sSupPr>
                         <m:ctrlPr>
                           <a:rPr lang="en-US" altLang="zh-CN" sz="2400" i="1" smtClean="0">
-                            <a:latin typeface="Cambria Math" panose="02040503050406030204" pitchFamily="18" charset="0"/>
+                            <a:latin typeface="Cambria Math" charset="0"/>
                           </a:rPr>
                         </m:ctrlPr>
                       </m:sSupPr>
@@ -6579,7 +6572,7 @@
                       <m:funcPr>
                         <m:ctrlPr>
                           <a:rPr lang="en-US" altLang="zh-CN" sz="2400" b="0" i="1" smtClean="0">
-                            <a:latin typeface="Cambria Math" panose="02040503050406030204" pitchFamily="18" charset="0"/>
+                            <a:latin typeface="Cambria Math" charset="0"/>
                           </a:rPr>
                         </m:ctrlPr>
                       </m:funcPr>
@@ -6599,7 +6592,7 @@
                           <m:dPr>
                             <m:ctrlPr>
                               <a:rPr lang="en-US" altLang="zh-CN" sz="2400" b="0" i="1" smtClean="0">
-                                <a:latin typeface="Cambria Math" panose="02040503050406030204" pitchFamily="18" charset="0"/>
+                                <a:latin typeface="Cambria Math" charset="0"/>
                               </a:rPr>
                             </m:ctrlPr>
                           </m:dPr>
@@ -6860,8 +6853,8 @@
           </a:p>
         </p:txBody>
       </p:sp>
-      <mc:AlternateContent xmlns:mc="http://schemas.openxmlformats.org/markup-compatibility/2006">
-        <mc:Choice xmlns:a14="http://schemas.microsoft.com/office/drawing/2010/main" Requires="a14">
+      <mc:AlternateContent xmlns:mc="http://schemas.openxmlformats.org/markup-compatibility/2006" xmlns:a14="http://schemas.microsoft.com/office/drawing/2010/main">
+        <mc:Choice Requires="a14">
           <p:sp>
             <p:nvSpPr>
               <p:cNvPr id="3" name="Content Placeholder 2"/>
@@ -6884,11 +6877,7 @@
               <a:p>
                 <a:r>
                   <a:rPr lang="en-US" altLang="zh-CN" sz="2400" dirty="0" smtClean="0"/>
-                  <a:t>Redo this problem with defining </a:t>
-                </a:r>
-                <a:r>
-                  <a:rPr lang="en-US" altLang="zh-CN" sz="2400" dirty="0" smtClean="0"/>
-                  <a:t>function</a:t>
+                  <a:t>Redo this problem with defining function</a:t>
                 </a:r>
                 <a:r>
                   <a:rPr lang="zh-CN" altLang="en-US" sz="2400" dirty="0" smtClean="0"/>
@@ -6904,7 +6893,7 @@
                       <m:sSupPr>
                         <m:ctrlPr>
                           <a:rPr lang="en-US" altLang="zh-CN" sz="2400" i="1">
-                            <a:latin typeface="Cambria Math" panose="02040503050406030204" pitchFamily="18" charset="0"/>
+                            <a:latin typeface="Cambria Math" charset="0"/>
                           </a:rPr>
                         </m:ctrlPr>
                       </m:sSupPr>
@@ -6929,7 +6918,7 @@
                       <m:funcPr>
                         <m:ctrlPr>
                           <a:rPr lang="en-US" altLang="zh-CN" sz="2400" i="1">
-                            <a:latin typeface="Cambria Math" panose="02040503050406030204" pitchFamily="18" charset="0"/>
+                            <a:latin typeface="Cambria Math" charset="0"/>
                           </a:rPr>
                         </m:ctrlPr>
                       </m:funcPr>
@@ -6949,7 +6938,7 @@
                           <m:dPr>
                             <m:ctrlPr>
                               <a:rPr lang="en-US" altLang="zh-CN" sz="2400" i="1">
-                                <a:latin typeface="Cambria Math" panose="02040503050406030204" pitchFamily="18" charset="0"/>
+                                <a:latin typeface="Cambria Math" charset="0"/>
                               </a:rPr>
                             </m:ctrlPr>
                           </m:dPr>
@@ -6994,7 +6983,7 @@
             </p:txBody>
           </p:sp>
         </mc:Choice>
-        <mc:Fallback>
+        <mc:Fallback xmlns="">
           <p:sp>
             <p:nvSpPr>
               <p:cNvPr id="3" name="Content Placeholder 2"/>
